--- a/docs/Startkartendruck.pptx
+++ b/docs/Startkartendruck.pptx
@@ -215,7 +215,7 @@
           <a:p>
             <a:fld id="{D08E676B-99DA-468B-8125-9996CB3B81D8}" type="datetimeFigureOut">
               <a:rPr lang="de-DE" smtClean="0"/>
-              <a:t>02.09.2014</a:t>
+              <a:t>27.06.2021</a:t>
             </a:fld>
             <a:endParaRPr lang="de-DE"/>
           </a:p>
@@ -279,38 +279,37 @@
           <a:p>
             <a:pPr lvl="0"/>
             <a:r>
-              <a:rPr lang="de-DE" smtClean="0"/>
+              <a:rPr lang="de-DE"/>
               <a:t>Textmasterformat bearbeiten</a:t>
             </a:r>
           </a:p>
           <a:p>
             <a:pPr lvl="1"/>
             <a:r>
-              <a:rPr lang="de-DE" smtClean="0"/>
+              <a:rPr lang="de-DE"/>
               <a:t>Zweite Ebene</a:t>
             </a:r>
           </a:p>
           <a:p>
             <a:pPr lvl="2"/>
             <a:r>
-              <a:rPr lang="de-DE" smtClean="0"/>
+              <a:rPr lang="de-DE"/>
               <a:t>Dritte Ebene</a:t>
             </a:r>
           </a:p>
           <a:p>
             <a:pPr lvl="3"/>
             <a:r>
-              <a:rPr lang="de-DE" smtClean="0"/>
+              <a:rPr lang="de-DE"/>
               <a:t>Vierte Ebene</a:t>
             </a:r>
           </a:p>
           <a:p>
             <a:pPr lvl="4"/>
             <a:r>
-              <a:rPr lang="de-DE" smtClean="0"/>
+              <a:rPr lang="de-DE"/>
               <a:t>Fünfte Ebene</a:t>
             </a:r>
-            <a:endParaRPr lang="de-DE"/>
           </a:p>
         </p:txBody>
       </p:sp>
@@ -663,7 +662,7 @@
               </a:pPr>
               <a:t>1</a:t>
             </a:fld>
-            <a:endParaRPr lang="de-DE" altLang="de-DE" sz="1300" smtClean="0"/>
+            <a:endParaRPr lang="de-DE" altLang="de-DE" sz="1300"/>
           </a:p>
         </p:txBody>
       </p:sp>
@@ -719,7 +718,7 @@
           <a:lstStyle/>
           <a:p>
             <a:pPr eaLnBrk="1" hangingPunct="1"/>
-            <a:endParaRPr lang="de-DE" altLang="de-DE" smtClean="0"/>
+            <a:endParaRPr lang="de-DE" altLang="de-DE"/>
           </a:p>
         </p:txBody>
       </p:sp>
@@ -916,7 +915,7 @@
               </a:pPr>
               <a:t>2</a:t>
             </a:fld>
-            <a:endParaRPr lang="de-DE" altLang="de-DE" sz="1300" smtClean="0"/>
+            <a:endParaRPr lang="de-DE" altLang="de-DE" sz="1300"/>
           </a:p>
         </p:txBody>
       </p:sp>
@@ -972,7 +971,7 @@
           <a:lstStyle/>
           <a:p>
             <a:pPr eaLnBrk="1" hangingPunct="1"/>
-            <a:endParaRPr lang="de-DE" altLang="de-DE" smtClean="0"/>
+            <a:endParaRPr lang="de-DE" altLang="de-DE"/>
           </a:p>
         </p:txBody>
       </p:sp>
@@ -1169,7 +1168,7 @@
               </a:pPr>
               <a:t>3</a:t>
             </a:fld>
-            <a:endParaRPr lang="de-DE" altLang="de-DE" sz="1300" smtClean="0"/>
+            <a:endParaRPr lang="de-DE" altLang="de-DE" sz="1300"/>
           </a:p>
         </p:txBody>
       </p:sp>
@@ -1225,7 +1224,7 @@
           <a:lstStyle/>
           <a:p>
             <a:pPr eaLnBrk="1" hangingPunct="1"/>
-            <a:endParaRPr lang="de-DE" altLang="de-DE" smtClean="0"/>
+            <a:endParaRPr lang="de-DE" altLang="de-DE"/>
           </a:p>
         </p:txBody>
       </p:sp>
@@ -1332,7 +1331,7 @@
           </a:lstStyle>
           <a:p>
             <a:r>
-              <a:rPr lang="de-DE" smtClean="0"/>
+              <a:rPr lang="de-DE"/>
               <a:t>Titelmasterformat durch Klicken bearbeiten</a:t>
             </a:r>
             <a:endParaRPr lang="en-US" dirty="0"/>
@@ -1397,7 +1396,7 @@
           </a:lstStyle>
           <a:p>
             <a:r>
-              <a:rPr lang="de-DE" smtClean="0"/>
+              <a:rPr lang="de-DE"/>
               <a:t>Formatvorlage des Untertitelmasters durch Klicken bearbeiten</a:t>
             </a:r>
             <a:endParaRPr lang="en-US" dirty="0"/>
@@ -1421,7 +1420,7 @@
           <a:p>
             <a:fld id="{4A1A9CD2-194C-429C-80AF-357CEB4DD720}" type="datetime1">
               <a:rPr lang="de-DE" smtClean="0"/>
-              <a:t>02.09.2014</a:t>
+              <a:t>27.06.2021</a:t>
             </a:fld>
             <a:endParaRPr lang="de-DE"/>
           </a:p>
@@ -1443,10 +1442,9 @@
           <a:lstStyle/>
           <a:p>
             <a:r>
-              <a:rPr lang="de-DE" smtClean="0"/>
+              <a:rPr lang="de-DE"/>
               <a:t>JAuswertung - http://www.dennismueller.de</a:t>
             </a:r>
-            <a:endParaRPr lang="de-DE"/>
           </a:p>
         </p:txBody>
       </p:sp>
@@ -1519,7 +1517,7 @@
           <a:lstStyle/>
           <a:p>
             <a:r>
-              <a:rPr lang="de-DE" smtClean="0"/>
+              <a:rPr lang="de-DE"/>
               <a:t>Titelmasterformat durch Klicken bearbeiten</a:t>
             </a:r>
             <a:endParaRPr lang="en-US" dirty="0"/>
@@ -1543,35 +1541,35 @@
           <a:p>
             <a:pPr lvl="0"/>
             <a:r>
-              <a:rPr lang="de-DE" smtClean="0"/>
+              <a:rPr lang="de-DE"/>
               <a:t>Textmasterformat bearbeiten</a:t>
             </a:r>
           </a:p>
           <a:p>
             <a:pPr lvl="1"/>
             <a:r>
-              <a:rPr lang="de-DE" smtClean="0"/>
+              <a:rPr lang="de-DE"/>
               <a:t>Zweite Ebene</a:t>
             </a:r>
           </a:p>
           <a:p>
             <a:pPr lvl="2"/>
             <a:r>
-              <a:rPr lang="de-DE" smtClean="0"/>
+              <a:rPr lang="de-DE"/>
               <a:t>Dritte Ebene</a:t>
             </a:r>
           </a:p>
           <a:p>
             <a:pPr lvl="3"/>
             <a:r>
-              <a:rPr lang="de-DE" smtClean="0"/>
+              <a:rPr lang="de-DE"/>
               <a:t>Vierte Ebene</a:t>
             </a:r>
           </a:p>
           <a:p>
             <a:pPr lvl="4"/>
             <a:r>
-              <a:rPr lang="de-DE" smtClean="0"/>
+              <a:rPr lang="de-DE"/>
               <a:t>Fünfte Ebene</a:t>
             </a:r>
             <a:endParaRPr lang="en-US" dirty="0"/>
@@ -1595,7 +1593,7 @@
           <a:p>
             <a:fld id="{F8889CF1-D184-4E2A-B6EE-5CA82EB45FF0}" type="datetime1">
               <a:rPr lang="de-DE" smtClean="0"/>
-              <a:t>02.09.2014</a:t>
+              <a:t>27.06.2021</a:t>
             </a:fld>
             <a:endParaRPr lang="de-DE"/>
           </a:p>
@@ -1617,10 +1615,9 @@
           <a:lstStyle/>
           <a:p>
             <a:r>
-              <a:rPr lang="de-DE" smtClean="0"/>
+              <a:rPr lang="de-DE"/>
               <a:t>JAuswertung - http://www.dennismueller.de</a:t>
             </a:r>
-            <a:endParaRPr lang="de-DE"/>
           </a:p>
         </p:txBody>
       </p:sp>
@@ -1698,7 +1695,7 @@
           <a:lstStyle/>
           <a:p>
             <a:r>
-              <a:rPr lang="de-DE" smtClean="0"/>
+              <a:rPr lang="de-DE"/>
               <a:t>Titelmasterformat durch Klicken bearbeiten</a:t>
             </a:r>
             <a:endParaRPr lang="en-US" dirty="0"/>
@@ -1727,35 +1724,35 @@
           <a:p>
             <a:pPr lvl="0"/>
             <a:r>
-              <a:rPr lang="de-DE" smtClean="0"/>
+              <a:rPr lang="de-DE"/>
               <a:t>Textmasterformat bearbeiten</a:t>
             </a:r>
           </a:p>
           <a:p>
             <a:pPr lvl="1"/>
             <a:r>
-              <a:rPr lang="de-DE" smtClean="0"/>
+              <a:rPr lang="de-DE"/>
               <a:t>Zweite Ebene</a:t>
             </a:r>
           </a:p>
           <a:p>
             <a:pPr lvl="2"/>
             <a:r>
-              <a:rPr lang="de-DE" smtClean="0"/>
+              <a:rPr lang="de-DE"/>
               <a:t>Dritte Ebene</a:t>
             </a:r>
           </a:p>
           <a:p>
             <a:pPr lvl="3"/>
             <a:r>
-              <a:rPr lang="de-DE" smtClean="0"/>
+              <a:rPr lang="de-DE"/>
               <a:t>Vierte Ebene</a:t>
             </a:r>
           </a:p>
           <a:p>
             <a:pPr lvl="4"/>
             <a:r>
-              <a:rPr lang="de-DE" smtClean="0"/>
+              <a:rPr lang="de-DE"/>
               <a:t>Fünfte Ebene</a:t>
             </a:r>
             <a:endParaRPr lang="en-US" dirty="0"/>
@@ -1779,7 +1776,7 @@
           <a:p>
             <a:fld id="{FFD5581E-AF5A-4B3D-9D84-29204A1B50DE}" type="datetime1">
               <a:rPr lang="de-DE" smtClean="0"/>
-              <a:t>02.09.2014</a:t>
+              <a:t>27.06.2021</a:t>
             </a:fld>
             <a:endParaRPr lang="de-DE"/>
           </a:p>
@@ -1801,10 +1798,9 @@
           <a:lstStyle/>
           <a:p>
             <a:r>
-              <a:rPr lang="de-DE" smtClean="0"/>
+              <a:rPr lang="de-DE"/>
               <a:t>JAuswertung - http://www.dennismueller.de</a:t>
             </a:r>
-            <a:endParaRPr lang="de-DE"/>
           </a:p>
         </p:txBody>
       </p:sp>
@@ -1877,7 +1873,7 @@
           <a:lstStyle/>
           <a:p>
             <a:r>
-              <a:rPr lang="de-DE" smtClean="0"/>
+              <a:rPr lang="de-DE"/>
               <a:t>Titelmasterformat durch Klicken bearbeiten</a:t>
             </a:r>
             <a:endParaRPr lang="en-US" dirty="0"/>
@@ -1901,35 +1897,35 @@
           <a:p>
             <a:pPr lvl="0"/>
             <a:r>
-              <a:rPr lang="de-DE" smtClean="0"/>
+              <a:rPr lang="de-DE"/>
               <a:t>Textmasterformat bearbeiten</a:t>
             </a:r>
           </a:p>
           <a:p>
             <a:pPr lvl="1"/>
             <a:r>
-              <a:rPr lang="de-DE" smtClean="0"/>
+              <a:rPr lang="de-DE"/>
               <a:t>Zweite Ebene</a:t>
             </a:r>
           </a:p>
           <a:p>
             <a:pPr lvl="2"/>
             <a:r>
-              <a:rPr lang="de-DE" smtClean="0"/>
+              <a:rPr lang="de-DE"/>
               <a:t>Dritte Ebene</a:t>
             </a:r>
           </a:p>
           <a:p>
             <a:pPr lvl="3"/>
             <a:r>
-              <a:rPr lang="de-DE" smtClean="0"/>
+              <a:rPr lang="de-DE"/>
               <a:t>Vierte Ebene</a:t>
             </a:r>
           </a:p>
           <a:p>
             <a:pPr lvl="4"/>
             <a:r>
-              <a:rPr lang="de-DE" smtClean="0"/>
+              <a:rPr lang="de-DE"/>
               <a:t>Fünfte Ebene</a:t>
             </a:r>
             <a:endParaRPr lang="en-US" dirty="0"/>
@@ -1953,7 +1949,7 @@
           <a:p>
             <a:fld id="{2AB23B0C-DD76-4EF7-9FCD-FDF73A23C110}" type="datetime1">
               <a:rPr lang="de-DE" smtClean="0"/>
-              <a:t>02.09.2014</a:t>
+              <a:t>27.06.2021</a:t>
             </a:fld>
             <a:endParaRPr lang="de-DE" dirty="0"/>
           </a:p>
@@ -1975,7 +1971,7 @@
           <a:lstStyle/>
           <a:p>
             <a:r>
-              <a:rPr lang="de-DE" smtClean="0"/>
+              <a:rPr lang="de-DE"/>
               <a:t>JAuswertung - http://www.dennismueller.de</a:t>
             </a:r>
             <a:endParaRPr lang="de-DE" dirty="0"/>
@@ -2060,7 +2056,7 @@
           </a:lstStyle>
           <a:p>
             <a:r>
-              <a:rPr lang="de-DE" smtClean="0"/>
+              <a:rPr lang="de-DE"/>
               <a:t>Titelmasterformat durch Klicken bearbeiten</a:t>
             </a:r>
             <a:endParaRPr lang="en-US" dirty="0"/>
@@ -2178,7 +2174,7 @@
           <a:p>
             <a:pPr lvl="0"/>
             <a:r>
-              <a:rPr lang="de-DE" smtClean="0"/>
+              <a:rPr lang="de-DE"/>
               <a:t>Textmasterformat bearbeiten</a:t>
             </a:r>
           </a:p>
@@ -2201,7 +2197,7 @@
           <a:p>
             <a:fld id="{128F72E7-E0E8-4370-9A50-BBC8358EF6F2}" type="datetime1">
               <a:rPr lang="de-DE" smtClean="0"/>
-              <a:t>02.09.2014</a:t>
+              <a:t>27.06.2021</a:t>
             </a:fld>
             <a:endParaRPr lang="de-DE"/>
           </a:p>
@@ -2223,10 +2219,9 @@
           <a:lstStyle/>
           <a:p>
             <a:r>
-              <a:rPr lang="de-DE" smtClean="0"/>
+              <a:rPr lang="de-DE"/>
               <a:t>JAuswertung - http://www.dennismueller.de</a:t>
             </a:r>
-            <a:endParaRPr lang="de-DE"/>
           </a:p>
         </p:txBody>
       </p:sp>
@@ -2299,7 +2294,7 @@
           <a:lstStyle/>
           <a:p>
             <a:r>
-              <a:rPr lang="de-DE" smtClean="0"/>
+              <a:rPr lang="de-DE"/>
               <a:t>Titelmasterformat durch Klicken bearbeiten</a:t>
             </a:r>
             <a:endParaRPr lang="en-US" dirty="0"/>
@@ -2328,35 +2323,35 @@
           <a:p>
             <a:pPr lvl="0"/>
             <a:r>
-              <a:rPr lang="de-DE" smtClean="0"/>
+              <a:rPr lang="de-DE"/>
               <a:t>Textmasterformat bearbeiten</a:t>
             </a:r>
           </a:p>
           <a:p>
             <a:pPr lvl="1"/>
             <a:r>
-              <a:rPr lang="de-DE" smtClean="0"/>
+              <a:rPr lang="de-DE"/>
               <a:t>Zweite Ebene</a:t>
             </a:r>
           </a:p>
           <a:p>
             <a:pPr lvl="2"/>
             <a:r>
-              <a:rPr lang="de-DE" smtClean="0"/>
+              <a:rPr lang="de-DE"/>
               <a:t>Dritte Ebene</a:t>
             </a:r>
           </a:p>
           <a:p>
             <a:pPr lvl="3"/>
             <a:r>
-              <a:rPr lang="de-DE" smtClean="0"/>
+              <a:rPr lang="de-DE"/>
               <a:t>Vierte Ebene</a:t>
             </a:r>
           </a:p>
           <a:p>
             <a:pPr lvl="4"/>
             <a:r>
-              <a:rPr lang="de-DE" smtClean="0"/>
+              <a:rPr lang="de-DE"/>
               <a:t>Fünfte Ebene</a:t>
             </a:r>
             <a:endParaRPr lang="en-US" dirty="0"/>
@@ -2385,35 +2380,35 @@
           <a:p>
             <a:pPr lvl="0"/>
             <a:r>
-              <a:rPr lang="de-DE" smtClean="0"/>
+              <a:rPr lang="de-DE"/>
               <a:t>Textmasterformat bearbeiten</a:t>
             </a:r>
           </a:p>
           <a:p>
             <a:pPr lvl="1"/>
             <a:r>
-              <a:rPr lang="de-DE" smtClean="0"/>
+              <a:rPr lang="de-DE"/>
               <a:t>Zweite Ebene</a:t>
             </a:r>
           </a:p>
           <a:p>
             <a:pPr lvl="2"/>
             <a:r>
-              <a:rPr lang="de-DE" smtClean="0"/>
+              <a:rPr lang="de-DE"/>
               <a:t>Dritte Ebene</a:t>
             </a:r>
           </a:p>
           <a:p>
             <a:pPr lvl="3"/>
             <a:r>
-              <a:rPr lang="de-DE" smtClean="0"/>
+              <a:rPr lang="de-DE"/>
               <a:t>Vierte Ebene</a:t>
             </a:r>
           </a:p>
           <a:p>
             <a:pPr lvl="4"/>
             <a:r>
-              <a:rPr lang="de-DE" smtClean="0"/>
+              <a:rPr lang="de-DE"/>
               <a:t>Fünfte Ebene</a:t>
             </a:r>
             <a:endParaRPr lang="en-US" dirty="0"/>
@@ -2437,7 +2432,7 @@
           <a:p>
             <a:fld id="{1A705775-5645-4509-A9D0-F1010FFF9983}" type="datetime1">
               <a:rPr lang="de-DE" smtClean="0"/>
-              <a:t>02.09.2014</a:t>
+              <a:t>27.06.2021</a:t>
             </a:fld>
             <a:endParaRPr lang="de-DE"/>
           </a:p>
@@ -2459,10 +2454,9 @@
           <a:lstStyle/>
           <a:p>
             <a:r>
-              <a:rPr lang="de-DE" smtClean="0"/>
+              <a:rPr lang="de-DE"/>
               <a:t>JAuswertung - http://www.dennismueller.de</a:t>
             </a:r>
-            <a:endParaRPr lang="de-DE"/>
           </a:p>
         </p:txBody>
       </p:sp>
@@ -2540,7 +2534,7 @@
           <a:lstStyle/>
           <a:p>
             <a:r>
-              <a:rPr lang="de-DE" smtClean="0"/>
+              <a:rPr lang="de-DE"/>
               <a:t>Titelmasterformat durch Klicken bearbeiten</a:t>
             </a:r>
             <a:endParaRPr lang="en-US" dirty="0"/>
@@ -2606,7 +2600,7 @@
           <a:p>
             <a:pPr lvl="0"/>
             <a:r>
-              <a:rPr lang="de-DE" smtClean="0"/>
+              <a:rPr lang="de-DE"/>
               <a:t>Textmasterformat bearbeiten</a:t>
             </a:r>
           </a:p>
@@ -2634,35 +2628,35 @@
           <a:p>
             <a:pPr lvl="0"/>
             <a:r>
-              <a:rPr lang="de-DE" smtClean="0"/>
+              <a:rPr lang="de-DE"/>
               <a:t>Textmasterformat bearbeiten</a:t>
             </a:r>
           </a:p>
           <a:p>
             <a:pPr lvl="1"/>
             <a:r>
-              <a:rPr lang="de-DE" smtClean="0"/>
+              <a:rPr lang="de-DE"/>
               <a:t>Zweite Ebene</a:t>
             </a:r>
           </a:p>
           <a:p>
             <a:pPr lvl="2"/>
             <a:r>
-              <a:rPr lang="de-DE" smtClean="0"/>
+              <a:rPr lang="de-DE"/>
               <a:t>Dritte Ebene</a:t>
             </a:r>
           </a:p>
           <a:p>
             <a:pPr lvl="3"/>
             <a:r>
-              <a:rPr lang="de-DE" smtClean="0"/>
+              <a:rPr lang="de-DE"/>
               <a:t>Vierte Ebene</a:t>
             </a:r>
           </a:p>
           <a:p>
             <a:pPr lvl="4"/>
             <a:r>
-              <a:rPr lang="de-DE" smtClean="0"/>
+              <a:rPr lang="de-DE"/>
               <a:t>Fünfte Ebene</a:t>
             </a:r>
             <a:endParaRPr lang="en-US" dirty="0"/>
@@ -2728,7 +2722,7 @@
           <a:p>
             <a:pPr lvl="0"/>
             <a:r>
-              <a:rPr lang="de-DE" smtClean="0"/>
+              <a:rPr lang="de-DE"/>
               <a:t>Textmasterformat bearbeiten</a:t>
             </a:r>
           </a:p>
@@ -2756,35 +2750,35 @@
           <a:p>
             <a:pPr lvl="0"/>
             <a:r>
-              <a:rPr lang="de-DE" smtClean="0"/>
+              <a:rPr lang="de-DE"/>
               <a:t>Textmasterformat bearbeiten</a:t>
             </a:r>
           </a:p>
           <a:p>
             <a:pPr lvl="1"/>
             <a:r>
-              <a:rPr lang="de-DE" smtClean="0"/>
+              <a:rPr lang="de-DE"/>
               <a:t>Zweite Ebene</a:t>
             </a:r>
           </a:p>
           <a:p>
             <a:pPr lvl="2"/>
             <a:r>
-              <a:rPr lang="de-DE" smtClean="0"/>
+              <a:rPr lang="de-DE"/>
               <a:t>Dritte Ebene</a:t>
             </a:r>
           </a:p>
           <a:p>
             <a:pPr lvl="3"/>
             <a:r>
-              <a:rPr lang="de-DE" smtClean="0"/>
+              <a:rPr lang="de-DE"/>
               <a:t>Vierte Ebene</a:t>
             </a:r>
           </a:p>
           <a:p>
             <a:pPr lvl="4"/>
             <a:r>
-              <a:rPr lang="de-DE" smtClean="0"/>
+              <a:rPr lang="de-DE"/>
               <a:t>Fünfte Ebene</a:t>
             </a:r>
             <a:endParaRPr lang="en-US" dirty="0"/>
@@ -2808,7 +2802,7 @@
           <a:p>
             <a:fld id="{6CC31478-D6C4-4377-8E3A-19535C879A75}" type="datetime1">
               <a:rPr lang="de-DE" smtClean="0"/>
-              <a:t>02.09.2014</a:t>
+              <a:t>27.06.2021</a:t>
             </a:fld>
             <a:endParaRPr lang="de-DE"/>
           </a:p>
@@ -2830,10 +2824,9 @@
           <a:lstStyle/>
           <a:p>
             <a:r>
-              <a:rPr lang="de-DE" smtClean="0"/>
+              <a:rPr lang="de-DE"/>
               <a:t>JAuswertung - http://www.dennismueller.de</a:t>
             </a:r>
-            <a:endParaRPr lang="de-DE"/>
           </a:p>
         </p:txBody>
       </p:sp>
@@ -2906,7 +2899,7 @@
           <a:lstStyle/>
           <a:p>
             <a:r>
-              <a:rPr lang="de-DE" smtClean="0"/>
+              <a:rPr lang="de-DE"/>
               <a:t>Titelmasterformat durch Klicken bearbeiten</a:t>
             </a:r>
             <a:endParaRPr lang="en-US" dirty="0"/>
@@ -2930,7 +2923,7 @@
           <a:p>
             <a:fld id="{4834A304-EA7C-4FE4-B5FE-5889D06C1921}" type="datetime1">
               <a:rPr lang="de-DE" smtClean="0"/>
-              <a:t>02.09.2014</a:t>
+              <a:t>27.06.2021</a:t>
             </a:fld>
             <a:endParaRPr lang="de-DE"/>
           </a:p>
@@ -2952,10 +2945,9 @@
           <a:lstStyle/>
           <a:p>
             <a:r>
-              <a:rPr lang="de-DE" smtClean="0"/>
+              <a:rPr lang="de-DE"/>
               <a:t>JAuswertung - http://www.dennismueller.de</a:t>
             </a:r>
-            <a:endParaRPr lang="de-DE"/>
           </a:p>
         </p:txBody>
       </p:sp>
@@ -3029,7 +3021,7 @@
           <a:p>
             <a:fld id="{E806F9FF-CBA6-450B-A71A-554C35739100}" type="datetime1">
               <a:rPr lang="de-DE" smtClean="0"/>
-              <a:t>02.09.2014</a:t>
+              <a:t>27.06.2021</a:t>
             </a:fld>
             <a:endParaRPr lang="de-DE"/>
           </a:p>
@@ -3051,10 +3043,9 @@
           <a:lstStyle/>
           <a:p>
             <a:r>
-              <a:rPr lang="de-DE" smtClean="0"/>
+              <a:rPr lang="de-DE"/>
               <a:t>JAuswertung - http://www.dennismueller.de</a:t>
             </a:r>
-            <a:endParaRPr lang="de-DE"/>
           </a:p>
         </p:txBody>
       </p:sp>
@@ -3136,7 +3127,7 @@
           </a:lstStyle>
           <a:p>
             <a:r>
-              <a:rPr lang="de-DE" smtClean="0"/>
+              <a:rPr lang="de-DE"/>
               <a:t>Titelmasterformat durch Klicken bearbeiten</a:t>
             </a:r>
             <a:endParaRPr lang="en-US" dirty="0"/>
@@ -3193,35 +3184,35 @@
           <a:p>
             <a:pPr lvl="0"/>
             <a:r>
-              <a:rPr lang="de-DE" smtClean="0"/>
+              <a:rPr lang="de-DE"/>
               <a:t>Textmasterformat bearbeiten</a:t>
             </a:r>
           </a:p>
           <a:p>
             <a:pPr lvl="1"/>
             <a:r>
-              <a:rPr lang="de-DE" smtClean="0"/>
+              <a:rPr lang="de-DE"/>
               <a:t>Zweite Ebene</a:t>
             </a:r>
           </a:p>
           <a:p>
             <a:pPr lvl="2"/>
             <a:r>
-              <a:rPr lang="de-DE" smtClean="0"/>
+              <a:rPr lang="de-DE"/>
               <a:t>Dritte Ebene</a:t>
             </a:r>
           </a:p>
           <a:p>
             <a:pPr lvl="3"/>
             <a:r>
-              <a:rPr lang="de-DE" smtClean="0"/>
+              <a:rPr lang="de-DE"/>
               <a:t>Vierte Ebene</a:t>
             </a:r>
           </a:p>
           <a:p>
             <a:pPr lvl="4"/>
             <a:r>
-              <a:rPr lang="de-DE" smtClean="0"/>
+              <a:rPr lang="de-DE"/>
               <a:t>Fünfte Ebene</a:t>
             </a:r>
             <a:endParaRPr lang="en-US" dirty="0"/>
@@ -3287,7 +3278,7 @@
           <a:p>
             <a:pPr lvl="0"/>
             <a:r>
-              <a:rPr lang="de-DE" smtClean="0"/>
+              <a:rPr lang="de-DE"/>
               <a:t>Textmasterformat bearbeiten</a:t>
             </a:r>
           </a:p>
@@ -3310,7 +3301,7 @@
           <a:p>
             <a:fld id="{AADA8162-341B-481A-AFED-A154BDEED2AC}" type="datetime1">
               <a:rPr lang="de-DE" smtClean="0"/>
-              <a:t>02.09.2014</a:t>
+              <a:t>27.06.2021</a:t>
             </a:fld>
             <a:endParaRPr lang="de-DE"/>
           </a:p>
@@ -3332,10 +3323,9 @@
           <a:lstStyle/>
           <a:p>
             <a:r>
-              <a:rPr lang="de-DE" smtClean="0"/>
+              <a:rPr lang="de-DE"/>
               <a:t>JAuswertung - http://www.dennismueller.de</a:t>
             </a:r>
-            <a:endParaRPr lang="de-DE"/>
           </a:p>
         </p:txBody>
       </p:sp>
@@ -3417,7 +3407,7 @@
           </a:lstStyle>
           <a:p>
             <a:r>
-              <a:rPr lang="de-DE" smtClean="0"/>
+              <a:rPr lang="de-DE"/>
               <a:t>Titelmasterformat durch Klicken bearbeiten</a:t>
             </a:r>
             <a:endParaRPr lang="en-US" dirty="0"/>
@@ -3482,7 +3472,7 @@
           </a:lstStyle>
           <a:p>
             <a:r>
-              <a:rPr lang="de-DE" smtClean="0"/>
+              <a:rPr lang="de-DE"/>
               <a:t>Bild durch Klicken auf Symbol hinzufügen</a:t>
             </a:r>
             <a:endParaRPr lang="en-US" dirty="0"/>
@@ -3548,7 +3538,7 @@
           <a:p>
             <a:pPr lvl="0"/>
             <a:r>
-              <a:rPr lang="de-DE" smtClean="0"/>
+              <a:rPr lang="de-DE"/>
               <a:t>Textmasterformat bearbeiten</a:t>
             </a:r>
           </a:p>
@@ -3571,7 +3561,7 @@
           <a:p>
             <a:fld id="{7A514C1D-009E-456B-8617-8E347E2E2159}" type="datetime1">
               <a:rPr lang="de-DE" smtClean="0"/>
-              <a:t>02.09.2014</a:t>
+              <a:t>27.06.2021</a:t>
             </a:fld>
             <a:endParaRPr lang="de-DE"/>
           </a:p>
@@ -3593,10 +3583,9 @@
           <a:lstStyle/>
           <a:p>
             <a:r>
-              <a:rPr lang="de-DE" smtClean="0"/>
+              <a:rPr lang="de-DE"/>
               <a:t>JAuswertung - http://www.dennismueller.de</a:t>
             </a:r>
-            <a:endParaRPr lang="de-DE"/>
           </a:p>
         </p:txBody>
       </p:sp>
@@ -3732,7 +3721,7 @@
           <a:lstStyle/>
           <a:p>
             <a:r>
-              <a:rPr lang="de-DE" smtClean="0"/>
+              <a:rPr lang="de-DE"/>
               <a:t>Titelmasterformat durch Klicken bearbeiten</a:t>
             </a:r>
             <a:endParaRPr lang="en-US" dirty="0"/>
@@ -3766,35 +3755,35 @@
           <a:p>
             <a:pPr lvl="0"/>
             <a:r>
-              <a:rPr lang="de-DE" smtClean="0"/>
+              <a:rPr lang="de-DE"/>
               <a:t>Textmasterformat bearbeiten</a:t>
             </a:r>
           </a:p>
           <a:p>
             <a:pPr lvl="1"/>
             <a:r>
-              <a:rPr lang="de-DE" smtClean="0"/>
+              <a:rPr lang="de-DE"/>
               <a:t>Zweite Ebene</a:t>
             </a:r>
           </a:p>
           <a:p>
             <a:pPr lvl="2"/>
             <a:r>
-              <a:rPr lang="de-DE" smtClean="0"/>
+              <a:rPr lang="de-DE"/>
               <a:t>Dritte Ebene</a:t>
             </a:r>
           </a:p>
           <a:p>
             <a:pPr lvl="3"/>
             <a:r>
-              <a:rPr lang="de-DE" smtClean="0"/>
+              <a:rPr lang="de-DE"/>
               <a:t>Vierte Ebene</a:t>
             </a:r>
           </a:p>
           <a:p>
             <a:pPr lvl="4"/>
             <a:r>
-              <a:rPr lang="de-DE" smtClean="0"/>
+              <a:rPr lang="de-DE"/>
               <a:t>Fünfte Ebene</a:t>
             </a:r>
             <a:endParaRPr lang="en-US" dirty="0"/>
@@ -3836,7 +3825,7 @@
           <a:p>
             <a:fld id="{3D360C44-E778-4572-8F6F-14F9AF50A671}" type="datetime1">
               <a:rPr lang="de-DE" smtClean="0"/>
-              <a:t>02.09.2014</a:t>
+              <a:t>27.06.2021</a:t>
             </a:fld>
             <a:endParaRPr lang="de-DE"/>
           </a:p>
@@ -3876,10 +3865,9 @@
           </a:lstStyle>
           <a:p>
             <a:r>
-              <a:rPr lang="de-DE" smtClean="0"/>
+              <a:rPr lang="de-DE"/>
               <a:t>JAuswertung - http://www.dennismueller.de</a:t>
             </a:r>
-            <a:endParaRPr lang="de-DE"/>
           </a:p>
         </p:txBody>
       </p:sp>
@@ -4265,7 +4253,7 @@
           <a:p>
             <a:pPr eaLnBrk="1" hangingPunct="1"/>
             <a:r>
-              <a:rPr lang="de-DE" altLang="de-DE" smtClean="0"/>
+              <a:rPr lang="de-DE" altLang="de-DE" dirty="0"/>
               <a:t>Ausdrucken und Sortieren von Startkarten mit JAuswertung</a:t>
             </a:r>
           </a:p>
@@ -4327,13 +4315,6 @@
   <p:clrMapOvr>
     <a:masterClrMapping/>
   </p:clrMapOvr>
-  <p:timing>
-    <p:tnLst>
-      <p:par>
-        <p:cTn id="1" dur="indefinite" restart="never" nodeType="tmRoot"/>
-      </p:par>
-    </p:tnLst>
-  </p:timing>
 </p:sld>
 </file>
 
@@ -4371,7 +4352,7 @@
           <a:p>
             <a:pPr eaLnBrk="1" hangingPunct="1"/>
             <a:r>
-              <a:rPr lang="de-DE" altLang="de-DE" smtClean="0"/>
+              <a:rPr lang="de-DE" altLang="de-DE" dirty="0"/>
               <a:t>Druckfunktionen</a:t>
             </a:r>
           </a:p>
@@ -4443,7 +4424,7 @@
           <a:p>
             <a:fld id="{B6F8D047-DBCB-47BA-87C3-6208FFFB93F1}" type="datetime1">
               <a:rPr lang="de-DE" smtClean="0"/>
-              <a:t>02.09.2014</a:t>
+              <a:t>27.06.2021</a:t>
             </a:fld>
             <a:endParaRPr lang="de-DE"/>
           </a:p>
@@ -4465,10 +4446,9 @@
           <a:lstStyle/>
           <a:p>
             <a:r>
-              <a:rPr lang="de-DE" smtClean="0"/>
+              <a:rPr lang="de-DE"/>
               <a:t>JAuswertung - http://www.dennismueller.de</a:t>
             </a:r>
-            <a:endParaRPr lang="de-DE"/>
           </a:p>
         </p:txBody>
       </p:sp>
@@ -5222,7 +5202,7 @@
           <a:p>
             <a:pPr eaLnBrk="1" hangingPunct="1"/>
             <a:r>
-              <a:rPr lang="de-DE" altLang="de-DE" smtClean="0"/>
+              <a:rPr lang="de-DE" altLang="de-DE" dirty="0"/>
               <a:t>Sortierreihenfolge</a:t>
             </a:r>
           </a:p>
@@ -5305,7 +5285,7 @@
           <a:p>
             <a:fld id="{A2B0A6BF-9012-4C38-AB72-7C69CD3BD164}" type="datetime1">
               <a:rPr lang="de-DE" smtClean="0"/>
-              <a:t>02.09.2014</a:t>
+              <a:t>27.06.2021</a:t>
             </a:fld>
             <a:endParaRPr lang="de-DE"/>
           </a:p>
@@ -5327,10 +5307,9 @@
           <a:lstStyle/>
           <a:p>
             <a:r>
-              <a:rPr lang="de-DE" smtClean="0"/>
+              <a:rPr lang="de-DE"/>
               <a:t>JAuswertung - http://www.dennismueller.de</a:t>
             </a:r>
-            <a:endParaRPr lang="de-DE"/>
           </a:p>
         </p:txBody>
       </p:sp>
@@ -5437,7 +5416,7 @@
           <a:p>
             <a:pPr eaLnBrk="1" hangingPunct="1"/>
             <a:r>
-              <a:rPr lang="de-DE" altLang="de-DE" smtClean="0"/>
+              <a:rPr lang="de-DE" altLang="de-DE"/>
               <a:t>Ausdruck</a:t>
             </a:r>
           </a:p>
@@ -5485,7 +5464,7 @@
           <a:p>
             <a:fld id="{B46E7C1A-673B-4C15-ACBA-6491B6ADCE30}" type="datetime1">
               <a:rPr lang="de-DE" smtClean="0"/>
-              <a:t>02.09.2014</a:t>
+              <a:t>27.06.2021</a:t>
             </a:fld>
             <a:endParaRPr lang="de-DE"/>
           </a:p>
@@ -5507,10 +5486,9 @@
           <a:lstStyle/>
           <a:p>
             <a:r>
-              <a:rPr lang="de-DE" smtClean="0"/>
+              <a:rPr lang="de-DE"/>
               <a:t>JAuswertung - http://www.dennismueller.de</a:t>
             </a:r>
-            <a:endParaRPr lang="de-DE"/>
           </a:p>
         </p:txBody>
       </p:sp>
@@ -6980,7 +6958,7 @@
           <a:p>
             <a:pPr eaLnBrk="1" hangingPunct="1"/>
             <a:r>
-              <a:rPr lang="de-DE" altLang="de-DE" smtClean="0"/>
+              <a:rPr lang="de-DE" altLang="de-DE"/>
               <a:t>Schneiden</a:t>
             </a:r>
           </a:p>
@@ -7028,7 +7006,7 @@
           <a:p>
             <a:fld id="{9B67EACA-00DB-4CB8-B3AF-BA9F592E317E}" type="datetime1">
               <a:rPr lang="de-DE" smtClean="0"/>
-              <a:t>02.09.2014</a:t>
+              <a:t>27.06.2021</a:t>
             </a:fld>
             <a:endParaRPr lang="de-DE"/>
           </a:p>
@@ -7050,10 +7028,9 @@
           <a:lstStyle/>
           <a:p>
             <a:r>
-              <a:rPr lang="de-DE" smtClean="0"/>
+              <a:rPr lang="de-DE"/>
               <a:t>JAuswertung - http://www.dennismueller.de</a:t>
             </a:r>
-            <a:endParaRPr lang="de-DE"/>
           </a:p>
         </p:txBody>
       </p:sp>
@@ -7090,7 +7067,7 @@
         </p:nvSpPr>
         <p:spPr bwMode="auto">
           <a:xfrm>
-            <a:off x="5410873" y="1916440"/>
+            <a:off x="4167006" y="3830480"/>
             <a:ext cx="1223872" cy="1727819"/>
           </a:xfrm>
           <a:prstGeom prst="rect">
@@ -7254,7 +7231,7 @@
         </p:nvSpPr>
         <p:spPr bwMode="auto">
           <a:xfrm>
-            <a:off x="5488625" y="1988432"/>
+            <a:off x="4244758" y="3902472"/>
             <a:ext cx="1222431" cy="1727819"/>
           </a:xfrm>
           <a:prstGeom prst="rect">
@@ -7418,7 +7395,7 @@
         </p:nvSpPr>
         <p:spPr bwMode="auto">
           <a:xfrm>
-            <a:off x="5564936" y="2058984"/>
+            <a:off x="4321069" y="3973024"/>
             <a:ext cx="1222432" cy="1729259"/>
           </a:xfrm>
           <a:prstGeom prst="rect">
@@ -7582,7 +7559,7 @@
         </p:nvSpPr>
         <p:spPr bwMode="auto">
           <a:xfrm>
-            <a:off x="5639808" y="2132417"/>
+            <a:off x="4395941" y="4046457"/>
             <a:ext cx="1222432" cy="1727819"/>
           </a:xfrm>
           <a:prstGeom prst="rect">
@@ -7746,7 +7723,7 @@
         </p:nvSpPr>
         <p:spPr bwMode="auto">
           <a:xfrm>
-            <a:off x="5639808" y="2132417"/>
+            <a:off x="4395941" y="4046457"/>
             <a:ext cx="611936" cy="863909"/>
           </a:xfrm>
           <a:prstGeom prst="rect">
@@ -7913,7 +7890,7 @@
         </p:nvSpPr>
         <p:spPr bwMode="auto">
           <a:xfrm>
-            <a:off x="5639808" y="2996326"/>
+            <a:off x="4395941" y="4910366"/>
             <a:ext cx="611936" cy="863909"/>
           </a:xfrm>
           <a:prstGeom prst="rect">
@@ -8080,7 +8057,7 @@
         </p:nvSpPr>
         <p:spPr bwMode="auto">
           <a:xfrm>
-            <a:off x="6251744" y="2132417"/>
+            <a:off x="5007877" y="4046457"/>
             <a:ext cx="610496" cy="863909"/>
           </a:xfrm>
           <a:prstGeom prst="rect">
@@ -8247,7 +8224,7 @@
         </p:nvSpPr>
         <p:spPr bwMode="auto">
           <a:xfrm>
-            <a:off x="6251744" y="2996326"/>
+            <a:off x="5007877" y="4910366"/>
             <a:ext cx="610496" cy="863909"/>
           </a:xfrm>
           <a:prstGeom prst="rect">
@@ -8414,7 +8391,7 @@
         </p:nvSpPr>
         <p:spPr bwMode="auto">
           <a:xfrm>
-            <a:off x="7397863" y="3789683"/>
+            <a:off x="7025897" y="3789683"/>
             <a:ext cx="611936" cy="863909"/>
           </a:xfrm>
           <a:prstGeom prst="rect">
@@ -8581,7 +8558,7 @@
         </p:nvSpPr>
         <p:spPr bwMode="auto">
           <a:xfrm>
-            <a:off x="7397863" y="4941562"/>
+            <a:off x="7025897" y="4941562"/>
             <a:ext cx="611936" cy="863909"/>
           </a:xfrm>
           <a:prstGeom prst="rect">
@@ -8748,7 +8725,7 @@
         </p:nvSpPr>
         <p:spPr bwMode="auto">
           <a:xfrm>
-            <a:off x="8315047" y="3789683"/>
+            <a:off x="7943081" y="3789683"/>
             <a:ext cx="610496" cy="863909"/>
           </a:xfrm>
           <a:prstGeom prst="rect">
@@ -8915,7 +8892,7 @@
         </p:nvSpPr>
         <p:spPr bwMode="auto">
           <a:xfrm>
-            <a:off x="8315047" y="4941562"/>
+            <a:off x="7943081" y="4941562"/>
             <a:ext cx="610496" cy="863909"/>
           </a:xfrm>
           <a:prstGeom prst="rect">
@@ -9082,7 +9059,7 @@
         </p:nvSpPr>
         <p:spPr bwMode="auto">
           <a:xfrm>
-            <a:off x="7474176" y="3860236"/>
+            <a:off x="7102210" y="3860236"/>
             <a:ext cx="610496" cy="863909"/>
           </a:xfrm>
           <a:prstGeom prst="rect">
@@ -9249,7 +9226,7 @@
         </p:nvSpPr>
         <p:spPr bwMode="auto">
           <a:xfrm>
-            <a:off x="7474176" y="5013554"/>
+            <a:off x="7102210" y="5013554"/>
             <a:ext cx="610496" cy="863909"/>
           </a:xfrm>
           <a:prstGeom prst="rect">
@@ -9416,7 +9393,7 @@
         </p:nvSpPr>
         <p:spPr bwMode="auto">
           <a:xfrm>
-            <a:off x="8389920" y="3860236"/>
+            <a:off x="8017954" y="3860236"/>
             <a:ext cx="610496" cy="863909"/>
           </a:xfrm>
           <a:prstGeom prst="rect">
@@ -9583,7 +9560,7 @@
         </p:nvSpPr>
         <p:spPr bwMode="auto">
           <a:xfrm>
-            <a:off x="8389920" y="5013554"/>
+            <a:off x="8017954" y="5013554"/>
             <a:ext cx="610496" cy="863909"/>
           </a:xfrm>
           <a:prstGeom prst="rect">
@@ -9750,7 +9727,7 @@
         </p:nvSpPr>
         <p:spPr bwMode="auto">
           <a:xfrm>
-            <a:off x="7549049" y="3933668"/>
+            <a:off x="7177083" y="3933668"/>
             <a:ext cx="611935" cy="862470"/>
           </a:xfrm>
           <a:prstGeom prst="rect">
@@ -9917,7 +9894,7 @@
         </p:nvSpPr>
         <p:spPr bwMode="auto">
           <a:xfrm>
-            <a:off x="7549049" y="5086987"/>
+            <a:off x="7177083" y="5086987"/>
             <a:ext cx="611935" cy="862469"/>
           </a:xfrm>
           <a:prstGeom prst="rect">
@@ -10084,7 +10061,7 @@
         </p:nvSpPr>
         <p:spPr bwMode="auto">
           <a:xfrm>
-            <a:off x="8464792" y="3933668"/>
+            <a:off x="8092826" y="3933668"/>
             <a:ext cx="611935" cy="862470"/>
           </a:xfrm>
           <a:prstGeom prst="rect">
@@ -10251,7 +10228,7 @@
         </p:nvSpPr>
         <p:spPr bwMode="auto">
           <a:xfrm>
-            <a:off x="8464792" y="5086987"/>
+            <a:off x="8092826" y="5086987"/>
             <a:ext cx="611935" cy="862469"/>
           </a:xfrm>
           <a:prstGeom prst="rect">
@@ -10418,7 +10395,7 @@
         </p:nvSpPr>
         <p:spPr bwMode="auto">
           <a:xfrm>
-            <a:off x="7626800" y="4005660"/>
+            <a:off x="7254834" y="4005660"/>
             <a:ext cx="610496" cy="863909"/>
           </a:xfrm>
           <a:prstGeom prst="rect">
@@ -10585,7 +10562,7 @@
         </p:nvSpPr>
         <p:spPr bwMode="auto">
           <a:xfrm>
-            <a:off x="7626800" y="5157539"/>
+            <a:off x="7254834" y="5157539"/>
             <a:ext cx="610496" cy="863909"/>
           </a:xfrm>
           <a:prstGeom prst="rect">
@@ -10752,7 +10729,7 @@
         </p:nvSpPr>
         <p:spPr bwMode="auto">
           <a:xfrm>
-            <a:off x="8542544" y="4005660"/>
+            <a:off x="8170578" y="4005660"/>
             <a:ext cx="610496" cy="863909"/>
           </a:xfrm>
           <a:prstGeom prst="rect">
@@ -10919,7 +10896,7 @@
         </p:nvSpPr>
         <p:spPr bwMode="auto">
           <a:xfrm>
-            <a:off x="8542544" y="5157539"/>
+            <a:off x="8170578" y="5157539"/>
             <a:ext cx="610496" cy="863909"/>
           </a:xfrm>
           <a:prstGeom prst="rect">
@@ -11290,7 +11267,7 @@
           <a:p>
             <a:pPr eaLnBrk="1" hangingPunct="1"/>
             <a:r>
-              <a:rPr lang="de-DE" altLang="de-DE" smtClean="0"/>
+              <a:rPr lang="de-DE" altLang="de-DE"/>
               <a:t>Stapeln</a:t>
             </a:r>
           </a:p>
@@ -11338,7 +11315,7 @@
           <a:p>
             <a:fld id="{C395FABA-A057-44AD-BBBC-78EACACAB587}" type="datetime1">
               <a:rPr lang="de-DE" smtClean="0"/>
-              <a:t>02.09.2014</a:t>
+              <a:t>27.06.2021</a:t>
             </a:fld>
             <a:endParaRPr lang="de-DE"/>
           </a:p>
@@ -11360,10 +11337,9 @@
           <a:lstStyle/>
           <a:p>
             <a:r>
-              <a:rPr lang="de-DE" smtClean="0"/>
+              <a:rPr lang="de-DE"/>
               <a:t>JAuswertung - http://www.dennismueller.de</a:t>
             </a:r>
-            <a:endParaRPr lang="de-DE"/>
           </a:p>
         </p:txBody>
       </p:sp>
@@ -19122,7 +19098,7 @@
           <a:p>
             <a:pPr eaLnBrk="1" hangingPunct="1"/>
             <a:r>
-              <a:rPr lang="de-DE" altLang="de-DE" smtClean="0"/>
+              <a:rPr lang="de-DE" altLang="de-DE"/>
               <a:t>Trennen</a:t>
             </a:r>
           </a:p>
@@ -19170,7 +19146,7 @@
           <a:p>
             <a:fld id="{2BF576D2-C76B-4022-BCBC-27F9FFA2E04B}" type="datetime1">
               <a:rPr lang="de-DE" smtClean="0"/>
-              <a:t>02.09.2014</a:t>
+              <a:t>27.06.2021</a:t>
             </a:fld>
             <a:endParaRPr lang="de-DE"/>
           </a:p>
@@ -19192,10 +19168,9 @@
           <a:lstStyle/>
           <a:p>
             <a:r>
-              <a:rPr lang="de-DE" smtClean="0"/>
+              <a:rPr lang="de-DE"/>
               <a:t>JAuswertung - http://www.dennismueller.de</a:t>
             </a:r>
-            <a:endParaRPr lang="de-DE"/>
           </a:p>
         </p:txBody>
       </p:sp>
@@ -19232,7 +19207,7 @@
         </p:nvSpPr>
         <p:spPr bwMode="auto">
           <a:xfrm>
-            <a:off x="5792433" y="2091580"/>
+            <a:off x="5823623" y="4304468"/>
             <a:ext cx="611935" cy="863909"/>
           </a:xfrm>
           <a:prstGeom prst="rect">
@@ -19411,7 +19386,7 @@
         </p:nvSpPr>
         <p:spPr bwMode="auto">
           <a:xfrm>
-            <a:off x="7626800" y="3028922"/>
+            <a:off x="7657990" y="5241810"/>
             <a:ext cx="610496" cy="862470"/>
           </a:xfrm>
           <a:prstGeom prst="rect">
@@ -19578,7 +19553,7 @@
         </p:nvSpPr>
         <p:spPr bwMode="auto">
           <a:xfrm>
-            <a:off x="8542544" y="1875603"/>
+            <a:off x="8573734" y="4088491"/>
             <a:ext cx="610496" cy="863909"/>
           </a:xfrm>
           <a:prstGeom prst="rect">
@@ -19745,7 +19720,7 @@
         </p:nvSpPr>
         <p:spPr bwMode="auto">
           <a:xfrm>
-            <a:off x="8542544" y="3028922"/>
+            <a:off x="8573734" y="5241810"/>
             <a:ext cx="610496" cy="862470"/>
           </a:xfrm>
           <a:prstGeom prst="rect">
@@ -19912,7 +19887,7 @@
         </p:nvSpPr>
         <p:spPr bwMode="auto">
           <a:xfrm>
-            <a:off x="7703111" y="3099474"/>
+            <a:off x="7734301" y="5312362"/>
             <a:ext cx="611936" cy="863909"/>
           </a:xfrm>
           <a:prstGeom prst="rect">
@@ -20079,7 +20054,7 @@
         </p:nvSpPr>
         <p:spPr bwMode="auto">
           <a:xfrm>
-            <a:off x="8618855" y="1947595"/>
+            <a:off x="8650045" y="4160483"/>
             <a:ext cx="611936" cy="863909"/>
           </a:xfrm>
           <a:prstGeom prst="rect">
@@ -20246,7 +20221,7 @@
         </p:nvSpPr>
         <p:spPr bwMode="auto">
           <a:xfrm>
-            <a:off x="8618855" y="3099474"/>
+            <a:off x="8650045" y="5312362"/>
             <a:ext cx="611936" cy="863909"/>
           </a:xfrm>
           <a:prstGeom prst="rect">
@@ -20413,7 +20388,7 @@
         </p:nvSpPr>
         <p:spPr bwMode="auto">
           <a:xfrm>
-            <a:off x="7779424" y="3172906"/>
+            <a:off x="7810614" y="5385794"/>
             <a:ext cx="610496" cy="863909"/>
           </a:xfrm>
           <a:prstGeom prst="rect">
@@ -20580,7 +20555,7 @@
         </p:nvSpPr>
         <p:spPr bwMode="auto">
           <a:xfrm>
-            <a:off x="8695168" y="2019588"/>
+            <a:off x="8726358" y="4232476"/>
             <a:ext cx="610496" cy="863909"/>
           </a:xfrm>
           <a:prstGeom prst="rect">
@@ -20747,7 +20722,7 @@
         </p:nvSpPr>
         <p:spPr bwMode="auto">
           <a:xfrm>
-            <a:off x="8695168" y="3172906"/>
+            <a:off x="8726358" y="5385794"/>
             <a:ext cx="610496" cy="863909"/>
           </a:xfrm>
           <a:prstGeom prst="rect">
@@ -20914,7 +20889,7 @@
         </p:nvSpPr>
         <p:spPr bwMode="auto">
           <a:xfrm>
-            <a:off x="7855735" y="3244899"/>
+            <a:off x="7886925" y="5457787"/>
             <a:ext cx="611936" cy="862470"/>
           </a:xfrm>
           <a:prstGeom prst="rect">
@@ -21081,7 +21056,7 @@
         </p:nvSpPr>
         <p:spPr bwMode="auto">
           <a:xfrm>
-            <a:off x="8771479" y="2091580"/>
+            <a:off x="8802669" y="4304468"/>
             <a:ext cx="611936" cy="863909"/>
           </a:xfrm>
           <a:prstGeom prst="rect">
@@ -21248,7 +21223,7 @@
         </p:nvSpPr>
         <p:spPr bwMode="auto">
           <a:xfrm>
-            <a:off x="8771479" y="3244899"/>
+            <a:off x="8802669" y="5457787"/>
             <a:ext cx="611936" cy="862470"/>
           </a:xfrm>
           <a:prstGeom prst="rect">
@@ -21415,7 +21390,7 @@
         </p:nvSpPr>
         <p:spPr bwMode="auto">
           <a:xfrm rot="10800000">
-            <a:off x="7092616" y="2163572"/>
+            <a:off x="7123806" y="4376460"/>
             <a:ext cx="992056" cy="575940"/>
           </a:xfrm>
           <a:prstGeom prst="rightArrow">
@@ -21581,8 +21556,8 @@
           <p:nvPr/>
         </p:nvSpPr>
         <p:spPr bwMode="auto">
-          <a:xfrm rot="-5400000">
-            <a:off x="8148053" y="4312376"/>
+          <a:xfrm rot="5400000">
+            <a:off x="8256273" y="3292346"/>
             <a:ext cx="787543" cy="611936"/>
           </a:xfrm>
           <a:prstGeom prst="rightArrow">
@@ -21749,7 +21724,7 @@
         </p:nvSpPr>
         <p:spPr bwMode="auto">
           <a:xfrm>
-            <a:off x="7703111" y="5157539"/>
+            <a:off x="7681800" y="2028252"/>
             <a:ext cx="611936" cy="863909"/>
           </a:xfrm>
           <a:prstGeom prst="rect">
@@ -21916,7 +21891,7 @@
         </p:nvSpPr>
         <p:spPr bwMode="auto">
           <a:xfrm>
-            <a:off x="8618855" y="5157539"/>
+            <a:off x="8597544" y="2028252"/>
             <a:ext cx="611936" cy="863909"/>
           </a:xfrm>
           <a:prstGeom prst="rect">
@@ -22083,7 +22058,7 @@
         </p:nvSpPr>
         <p:spPr bwMode="auto">
           <a:xfrm>
-            <a:off x="7779424" y="5229531"/>
+            <a:off x="7758113" y="2100244"/>
             <a:ext cx="610496" cy="863909"/>
           </a:xfrm>
           <a:prstGeom prst="rect">
@@ -22250,7 +22225,7 @@
         </p:nvSpPr>
         <p:spPr bwMode="auto">
           <a:xfrm>
-            <a:off x="8695168" y="5229531"/>
+            <a:off x="8673857" y="2100244"/>
             <a:ext cx="610496" cy="863909"/>
           </a:xfrm>
           <a:prstGeom prst="rect">
@@ -22417,7 +22392,7 @@
         </p:nvSpPr>
         <p:spPr bwMode="auto">
           <a:xfrm>
-            <a:off x="7854296" y="5302964"/>
+            <a:off x="7832985" y="2173677"/>
             <a:ext cx="610496" cy="862469"/>
           </a:xfrm>
           <a:prstGeom prst="rect">
@@ -22584,7 +22559,7 @@
         </p:nvSpPr>
         <p:spPr bwMode="auto">
           <a:xfrm>
-            <a:off x="8770040" y="5302964"/>
+            <a:off x="8748729" y="2173677"/>
             <a:ext cx="611935" cy="862469"/>
           </a:xfrm>
           <a:prstGeom prst="rect">
@@ -22751,7 +22726,7 @@
         </p:nvSpPr>
         <p:spPr bwMode="auto">
           <a:xfrm>
-            <a:off x="7930607" y="5373516"/>
+            <a:off x="7909296" y="2244229"/>
             <a:ext cx="611936" cy="863909"/>
           </a:xfrm>
           <a:prstGeom prst="rect">
@@ -22918,7 +22893,7 @@
         </p:nvSpPr>
         <p:spPr bwMode="auto">
           <a:xfrm>
-            <a:off x="8847792" y="5373516"/>
+            <a:off x="8826481" y="2244229"/>
             <a:ext cx="610496" cy="863909"/>
           </a:xfrm>
           <a:prstGeom prst="rect">
@@ -23085,7 +23060,7 @@
         </p:nvSpPr>
         <p:spPr bwMode="auto">
           <a:xfrm>
-            <a:off x="6558433" y="5301523"/>
+            <a:off x="6537122" y="2172236"/>
             <a:ext cx="992055" cy="575940"/>
           </a:xfrm>
           <a:prstGeom prst="rightArrow">
@@ -23252,7 +23227,7 @@
         </p:nvSpPr>
         <p:spPr bwMode="auto">
           <a:xfrm>
-            <a:off x="5488624" y="5013554"/>
+            <a:off x="5467313" y="1884267"/>
             <a:ext cx="610496" cy="863909"/>
           </a:xfrm>
           <a:prstGeom prst="rect">
@@ -23419,7 +23394,7 @@
         </p:nvSpPr>
         <p:spPr bwMode="auto">
           <a:xfrm>
-            <a:off x="5564936" y="5085547"/>
+            <a:off x="5543625" y="1956260"/>
             <a:ext cx="610496" cy="862470"/>
           </a:xfrm>
           <a:prstGeom prst="rect">
@@ -23586,7 +23561,7 @@
         </p:nvSpPr>
         <p:spPr bwMode="auto">
           <a:xfrm>
-            <a:off x="5639809" y="5157539"/>
+            <a:off x="5618498" y="2028252"/>
             <a:ext cx="611935" cy="863909"/>
           </a:xfrm>
           <a:prstGeom prst="rect">
@@ -23753,7 +23728,7 @@
         </p:nvSpPr>
         <p:spPr bwMode="auto">
           <a:xfrm>
-            <a:off x="5717560" y="5229531"/>
+            <a:off x="5696249" y="2100244"/>
             <a:ext cx="610496" cy="863909"/>
           </a:xfrm>
           <a:prstGeom prst="rect">
@@ -23957,7 +23932,7 @@
           <a:p>
             <a:pPr eaLnBrk="1" hangingPunct="1"/>
             <a:r>
-              <a:rPr lang="de-DE" altLang="de-DE" smtClean="0"/>
+              <a:rPr lang="de-DE" altLang="de-DE"/>
               <a:t>…</a:t>
             </a:r>
           </a:p>
@@ -23980,14 +23955,14 @@
           <a:p>
             <a:pPr eaLnBrk="1" hangingPunct="1"/>
             <a:r>
-              <a:rPr lang="de-DE" altLang="de-DE" sz="2902"/>
+              <a:rPr lang="de-DE" altLang="de-DE" sz="2902" dirty="0"/>
               <a:t>Wenn Sie mit dieser Anleitung nicht zurecht kommen, sagen Sie mir (info@dennismueller.de) bitte, wo Sie Probleme haben. Ich bin immer daran interessiert, meine Anleitungen zu verbessern.</a:t>
             </a:r>
           </a:p>
           <a:p>
             <a:pPr eaLnBrk="1" hangingPunct="1"/>
             <a:r>
-              <a:rPr lang="de-DE" altLang="de-DE" sz="2902"/>
+              <a:rPr lang="de-DE" altLang="de-DE" sz="2902" dirty="0"/>
               <a:t>Wenn Sie Fragen, Anregungen oder Kritik zu dieser Anleitung oder JAuswertung haben, können Sie mich über info@dennismueller.de erreichen.</a:t>
             </a:r>
           </a:p>
@@ -24010,7 +23985,7 @@
           <a:p>
             <a:fld id="{C1391E66-3898-4D03-B73A-B1FA5A71A675}" type="datetime1">
               <a:rPr lang="de-DE" smtClean="0"/>
-              <a:t>02.09.2014</a:t>
+              <a:t>27.06.2021</a:t>
             </a:fld>
             <a:endParaRPr lang="de-DE" dirty="0"/>
           </a:p>
@@ -24032,7 +24007,7 @@
           <a:lstStyle/>
           <a:p>
             <a:r>
-              <a:rPr lang="de-DE" smtClean="0"/>
+              <a:rPr lang="de-DE"/>
               <a:t>JAuswertung - http://www.dennismueller.de</a:t>
             </a:r>
             <a:endParaRPr lang="de-DE" dirty="0"/>
